--- a/Spring Boot Notes.pptx
+++ b/Spring Boot Notes.pptx
@@ -26,6 +26,9 @@
     <p:sldId id="274" r:id="rId20"/>
     <p:sldId id="275" r:id="rId21"/>
     <p:sldId id="276" r:id="rId22"/>
+    <p:sldId id="278" r:id="rId23"/>
+    <p:sldId id="279" r:id="rId24"/>
+    <p:sldId id="280" r:id="rId25"/>
   </p:sldIdLst>
   <p:sldSz cx="13320713" cy="7559675"/>
   <p:notesSz cx="9144000" cy="6858000"/>
@@ -263,7 +266,7 @@
           <a:p>
             <a:fld id="{6C29C590-36E0-4EED-AA37-C1BBAAEADCBB}" type="datetimeFigureOut">
               <a:rPr lang="en-IN" smtClean="0"/>
-              <a:t>11-06-2024</a:t>
+              <a:t>21-07-2024</a:t>
             </a:fld>
             <a:endParaRPr lang="en-IN" dirty="0"/>
           </a:p>
@@ -433,7 +436,7 @@
           <a:p>
             <a:fld id="{6C29C590-36E0-4EED-AA37-C1BBAAEADCBB}" type="datetimeFigureOut">
               <a:rPr lang="en-IN" smtClean="0"/>
-              <a:t>11-06-2024</a:t>
+              <a:t>21-07-2024</a:t>
             </a:fld>
             <a:endParaRPr lang="en-IN" dirty="0"/>
           </a:p>
@@ -613,7 +616,7 @@
           <a:p>
             <a:fld id="{6C29C590-36E0-4EED-AA37-C1BBAAEADCBB}" type="datetimeFigureOut">
               <a:rPr lang="en-IN" smtClean="0"/>
-              <a:t>11-06-2024</a:t>
+              <a:t>21-07-2024</a:t>
             </a:fld>
             <a:endParaRPr lang="en-IN" dirty="0"/>
           </a:p>
@@ -783,7 +786,7 @@
           <a:p>
             <a:fld id="{6C29C590-36E0-4EED-AA37-C1BBAAEADCBB}" type="datetimeFigureOut">
               <a:rPr lang="en-IN" smtClean="0"/>
-              <a:t>11-06-2024</a:t>
+              <a:t>21-07-2024</a:t>
             </a:fld>
             <a:endParaRPr lang="en-IN" dirty="0"/>
           </a:p>
@@ -1029,7 +1032,7 @@
           <a:p>
             <a:fld id="{6C29C590-36E0-4EED-AA37-C1BBAAEADCBB}" type="datetimeFigureOut">
               <a:rPr lang="en-IN" smtClean="0"/>
-              <a:t>11-06-2024</a:t>
+              <a:t>21-07-2024</a:t>
             </a:fld>
             <a:endParaRPr lang="en-IN" dirty="0"/>
           </a:p>
@@ -1261,7 +1264,7 @@
           <a:p>
             <a:fld id="{6C29C590-36E0-4EED-AA37-C1BBAAEADCBB}" type="datetimeFigureOut">
               <a:rPr lang="en-IN" smtClean="0"/>
-              <a:t>11-06-2024</a:t>
+              <a:t>21-07-2024</a:t>
             </a:fld>
             <a:endParaRPr lang="en-IN" dirty="0"/>
           </a:p>
@@ -1628,7 +1631,7 @@
           <a:p>
             <a:fld id="{6C29C590-36E0-4EED-AA37-C1BBAAEADCBB}" type="datetimeFigureOut">
               <a:rPr lang="en-IN" smtClean="0"/>
-              <a:t>11-06-2024</a:t>
+              <a:t>21-07-2024</a:t>
             </a:fld>
             <a:endParaRPr lang="en-IN" dirty="0"/>
           </a:p>
@@ -1746,7 +1749,7 @@
           <a:p>
             <a:fld id="{6C29C590-36E0-4EED-AA37-C1BBAAEADCBB}" type="datetimeFigureOut">
               <a:rPr lang="en-IN" smtClean="0"/>
-              <a:t>11-06-2024</a:t>
+              <a:t>21-07-2024</a:t>
             </a:fld>
             <a:endParaRPr lang="en-IN" dirty="0"/>
           </a:p>
@@ -1841,7 +1844,7 @@
           <a:p>
             <a:fld id="{6C29C590-36E0-4EED-AA37-C1BBAAEADCBB}" type="datetimeFigureOut">
               <a:rPr lang="en-IN" smtClean="0"/>
-              <a:t>11-06-2024</a:t>
+              <a:t>21-07-2024</a:t>
             </a:fld>
             <a:endParaRPr lang="en-IN" dirty="0"/>
           </a:p>
@@ -2118,7 +2121,7 @@
           <a:p>
             <a:fld id="{6C29C590-36E0-4EED-AA37-C1BBAAEADCBB}" type="datetimeFigureOut">
               <a:rPr lang="en-IN" smtClean="0"/>
-              <a:t>11-06-2024</a:t>
+              <a:t>21-07-2024</a:t>
             </a:fld>
             <a:endParaRPr lang="en-IN" dirty="0"/>
           </a:p>
@@ -2375,7 +2378,7 @@
           <a:p>
             <a:fld id="{6C29C590-36E0-4EED-AA37-C1BBAAEADCBB}" type="datetimeFigureOut">
               <a:rPr lang="en-IN" smtClean="0"/>
-              <a:t>11-06-2024</a:t>
+              <a:t>21-07-2024</a:t>
             </a:fld>
             <a:endParaRPr lang="en-IN" dirty="0"/>
           </a:p>
@@ -2588,7 +2591,7 @@
           <a:p>
             <a:fld id="{6C29C590-36E0-4EED-AA37-C1BBAAEADCBB}" type="datetimeFigureOut">
               <a:rPr lang="en-IN" smtClean="0"/>
-              <a:t>11-06-2024</a:t>
+              <a:t>21-07-2024</a:t>
             </a:fld>
             <a:endParaRPr lang="en-IN" dirty="0"/>
           </a:p>
@@ -4227,6 +4230,398 @@
 </p:sld>
 </file>
 
+<file path=ppt/slides/slide22.xml><?xml version="1.0" encoding="utf-8"?>
+<p:sld xmlns:a="http://schemas.openxmlformats.org/drawingml/2006/main" xmlns:r="http://schemas.openxmlformats.org/officeDocument/2006/relationships" xmlns:p="http://schemas.openxmlformats.org/presentationml/2006/main">
+  <p:cSld>
+    <p:spTree>
+      <p:nvGrpSpPr>
+        <p:cNvPr id="1" name=""/>
+        <p:cNvGrpSpPr/>
+        <p:nvPr/>
+      </p:nvGrpSpPr>
+      <p:grpSpPr>
+        <a:xfrm>
+          <a:off x="0" y="0"/>
+          <a:ext cx="0" cy="0"/>
+          <a:chOff x="0" y="0"/>
+          <a:chExt cx="0" cy="0"/>
+        </a:xfrm>
+      </p:grpSpPr>
+      <p:sp>
+        <p:nvSpPr>
+          <p:cNvPr id="2" name="TextBox 1"/>
+          <p:cNvSpPr txBox="1"/>
+          <p:nvPr/>
+        </p:nvSpPr>
+        <p:spPr>
+          <a:xfrm>
+            <a:off x="11055927" y="263236"/>
+            <a:ext cx="1745673" cy="385490"/>
+          </a:xfrm>
+          <a:prstGeom prst="rect">
+            <a:avLst/>
+          </a:prstGeom>
+          <a:noFill/>
+        </p:spPr>
+        <p:txBody>
+          <a:bodyPr wrap="square" rtlCol="0">
+            <a:spAutoFit/>
+          </a:bodyPr>
+          <a:lstStyle/>
+          <a:p>
+            <a:r>
+              <a:rPr lang="en-US" dirty="0" smtClean="0"/>
+              <a:t>21 July 2024</a:t>
+            </a:r>
+            <a:endParaRPr lang="en-IN" dirty="0"/>
+          </a:p>
+        </p:txBody>
+      </p:sp>
+      <p:sp>
+        <p:nvSpPr>
+          <p:cNvPr id="3" name="TextBox 2"/>
+          <p:cNvSpPr txBox="1"/>
+          <p:nvPr/>
+        </p:nvSpPr>
+        <p:spPr>
+          <a:xfrm>
+            <a:off x="1939636" y="1842654"/>
+            <a:ext cx="3006437" cy="971804"/>
+          </a:xfrm>
+          <a:prstGeom prst="rect">
+            <a:avLst/>
+          </a:prstGeom>
+          <a:noFill/>
+        </p:spPr>
+        <p:txBody>
+          <a:bodyPr wrap="square" rtlCol="0">
+            <a:spAutoFit/>
+          </a:bodyPr>
+          <a:lstStyle/>
+          <a:p>
+            <a:r>
+              <a:rPr lang="en-US" dirty="0" smtClean="0"/>
+              <a:t>Path Variable:</a:t>
+            </a:r>
+          </a:p>
+          <a:p>
+            <a:endParaRPr lang="en-US" dirty="0"/>
+          </a:p>
+          <a:p>
+            <a:r>
+              <a:rPr lang="en-US" dirty="0" smtClean="0"/>
+              <a:t>Request Variable: </a:t>
+            </a:r>
+            <a:endParaRPr lang="en-IN" dirty="0"/>
+          </a:p>
+        </p:txBody>
+      </p:sp>
+    </p:spTree>
+    <p:extLst>
+      <p:ext uri="{BB962C8B-B14F-4D97-AF65-F5344CB8AC3E}">
+        <p14:creationId xmlns:p14="http://schemas.microsoft.com/office/powerpoint/2010/main" val="3176292669"/>
+      </p:ext>
+    </p:extLst>
+  </p:cSld>
+  <p:clrMapOvr>
+    <a:masterClrMapping/>
+  </p:clrMapOvr>
+</p:sld>
+</file>
+
+<file path=ppt/slides/slide23.xml><?xml version="1.0" encoding="utf-8"?>
+<p:sld xmlns:a="http://schemas.openxmlformats.org/drawingml/2006/main" xmlns:r="http://schemas.openxmlformats.org/officeDocument/2006/relationships" xmlns:p="http://schemas.openxmlformats.org/presentationml/2006/main">
+  <p:cSld>
+    <p:spTree>
+      <p:nvGrpSpPr>
+        <p:cNvPr id="1" name=""/>
+        <p:cNvGrpSpPr/>
+        <p:nvPr/>
+      </p:nvGrpSpPr>
+      <p:grpSpPr>
+        <a:xfrm>
+          <a:off x="0" y="0"/>
+          <a:ext cx="0" cy="0"/>
+          <a:chOff x="0" y="0"/>
+          <a:chExt cx="0" cy="0"/>
+        </a:xfrm>
+      </p:grpSpPr>
+      <p:pic>
+        <p:nvPicPr>
+          <p:cNvPr id="2" name="Picture 1"/>
+          <p:cNvPicPr>
+            <a:picLocks noChangeAspect="1"/>
+          </p:cNvPicPr>
+          <p:nvPr/>
+        </p:nvPicPr>
+        <p:blipFill>
+          <a:blip r:embed="rId2"/>
+          <a:stretch>
+            <a:fillRect/>
+          </a:stretch>
+        </p:blipFill>
+        <p:spPr>
+          <a:xfrm>
+            <a:off x="154781" y="122237"/>
+            <a:ext cx="13011150" cy="7315200"/>
+          </a:xfrm>
+          <a:prstGeom prst="rect">
+            <a:avLst/>
+          </a:prstGeom>
+        </p:spPr>
+      </p:pic>
+      <p:sp>
+        <p:nvSpPr>
+          <p:cNvPr id="3" name="TextBox 2"/>
+          <p:cNvSpPr txBox="1"/>
+          <p:nvPr/>
+        </p:nvSpPr>
+        <p:spPr>
+          <a:xfrm>
+            <a:off x="11055927" y="263236"/>
+            <a:ext cx="1745673" cy="385490"/>
+          </a:xfrm>
+          <a:prstGeom prst="rect">
+            <a:avLst/>
+          </a:prstGeom>
+          <a:noFill/>
+        </p:spPr>
+        <p:txBody>
+          <a:bodyPr wrap="square" rtlCol="0">
+            <a:spAutoFit/>
+          </a:bodyPr>
+          <a:lstStyle/>
+          <a:p>
+            <a:r>
+              <a:rPr lang="en-US" dirty="0" smtClean="0"/>
+              <a:t>21 July 2024</a:t>
+            </a:r>
+            <a:endParaRPr lang="en-IN" dirty="0"/>
+          </a:p>
+        </p:txBody>
+      </p:sp>
+      <p:sp>
+        <p:nvSpPr>
+          <p:cNvPr id="4" name="TextBox 3"/>
+          <p:cNvSpPr txBox="1"/>
+          <p:nvPr/>
+        </p:nvSpPr>
+        <p:spPr>
+          <a:xfrm>
+            <a:off x="8700655" y="3089563"/>
+            <a:ext cx="3782291" cy="385490"/>
+          </a:xfrm>
+          <a:prstGeom prst="rect">
+            <a:avLst/>
+          </a:prstGeom>
+          <a:noFill/>
+        </p:spPr>
+        <p:txBody>
+          <a:bodyPr wrap="square" rtlCol="0">
+            <a:spAutoFit/>
+          </a:bodyPr>
+          <a:lstStyle/>
+          <a:p>
+            <a:r>
+              <a:rPr lang="en-US" dirty="0" smtClean="0"/>
+              <a:t>How to use PUT method </a:t>
+            </a:r>
+            <a:endParaRPr lang="en-IN" dirty="0"/>
+          </a:p>
+        </p:txBody>
+      </p:sp>
+    </p:spTree>
+    <p:extLst>
+      <p:ext uri="{BB962C8B-B14F-4D97-AF65-F5344CB8AC3E}">
+        <p14:creationId xmlns:p14="http://schemas.microsoft.com/office/powerpoint/2010/main" val="1219786133"/>
+      </p:ext>
+    </p:extLst>
+  </p:cSld>
+  <p:clrMapOvr>
+    <a:masterClrMapping/>
+  </p:clrMapOvr>
+</p:sld>
+</file>
+
+<file path=ppt/slides/slide24.xml><?xml version="1.0" encoding="utf-8"?>
+<p:sld xmlns:a="http://schemas.openxmlformats.org/drawingml/2006/main" xmlns:r="http://schemas.openxmlformats.org/officeDocument/2006/relationships" xmlns:p="http://schemas.openxmlformats.org/presentationml/2006/main">
+  <p:cSld>
+    <p:spTree>
+      <p:nvGrpSpPr>
+        <p:cNvPr id="1" name=""/>
+        <p:cNvGrpSpPr/>
+        <p:nvPr/>
+      </p:nvGrpSpPr>
+      <p:grpSpPr>
+        <a:xfrm>
+          <a:off x="0" y="0"/>
+          <a:ext cx="0" cy="0"/>
+          <a:chOff x="0" y="0"/>
+          <a:chExt cx="0" cy="0"/>
+        </a:xfrm>
+      </p:grpSpPr>
+      <p:pic>
+        <p:nvPicPr>
+          <p:cNvPr id="5" name="Picture 4"/>
+          <p:cNvPicPr>
+            <a:picLocks noChangeAspect="1"/>
+          </p:cNvPicPr>
+          <p:nvPr/>
+        </p:nvPicPr>
+        <p:blipFill>
+          <a:blip r:embed="rId2"/>
+          <a:stretch>
+            <a:fillRect/>
+          </a:stretch>
+        </p:blipFill>
+        <p:spPr>
+          <a:xfrm>
+            <a:off x="154781" y="122237"/>
+            <a:ext cx="13011150" cy="7315200"/>
+          </a:xfrm>
+          <a:prstGeom prst="rect">
+            <a:avLst/>
+          </a:prstGeom>
+        </p:spPr>
+      </p:pic>
+      <p:sp>
+        <p:nvSpPr>
+          <p:cNvPr id="3" name="TextBox 2"/>
+          <p:cNvSpPr txBox="1"/>
+          <p:nvPr/>
+        </p:nvSpPr>
+        <p:spPr>
+          <a:xfrm>
+            <a:off x="11055927" y="263236"/>
+            <a:ext cx="1745673" cy="385490"/>
+          </a:xfrm>
+          <a:prstGeom prst="rect">
+            <a:avLst/>
+          </a:prstGeom>
+          <a:noFill/>
+        </p:spPr>
+        <p:txBody>
+          <a:bodyPr wrap="square" rtlCol="0">
+            <a:spAutoFit/>
+          </a:bodyPr>
+          <a:lstStyle/>
+          <a:p>
+            <a:r>
+              <a:rPr lang="en-US" dirty="0" smtClean="0"/>
+              <a:t>21 July 2024</a:t>
+            </a:r>
+            <a:endParaRPr lang="en-IN" dirty="0"/>
+          </a:p>
+        </p:txBody>
+      </p:sp>
+      <p:sp>
+        <p:nvSpPr>
+          <p:cNvPr id="4" name="TextBox 3"/>
+          <p:cNvSpPr txBox="1"/>
+          <p:nvPr/>
+        </p:nvSpPr>
+        <p:spPr>
+          <a:xfrm>
+            <a:off x="3560619" y="1163782"/>
+            <a:ext cx="3782291" cy="385490"/>
+          </a:xfrm>
+          <a:prstGeom prst="rect">
+            <a:avLst/>
+          </a:prstGeom>
+          <a:noFill/>
+        </p:spPr>
+        <p:txBody>
+          <a:bodyPr wrap="square" rtlCol="0">
+            <a:spAutoFit/>
+          </a:bodyPr>
+          <a:lstStyle/>
+          <a:p>
+            <a:r>
+              <a:rPr lang="en-US" dirty="0" smtClean="0"/>
+              <a:t>How to use DELETE method </a:t>
+            </a:r>
+            <a:endParaRPr lang="en-IN" dirty="0"/>
+          </a:p>
+        </p:txBody>
+      </p:sp>
+      <p:pic>
+        <p:nvPicPr>
+          <p:cNvPr id="6" name="Picture 5"/>
+          <p:cNvPicPr>
+            <a:picLocks noChangeAspect="1"/>
+          </p:cNvPicPr>
+          <p:nvPr/>
+        </p:nvPicPr>
+        <p:blipFill>
+          <a:blip r:embed="rId3"/>
+          <a:stretch>
+            <a:fillRect/>
+          </a:stretch>
+        </p:blipFill>
+        <p:spPr>
+          <a:xfrm>
+            <a:off x="7836406" y="2133599"/>
+            <a:ext cx="5068672" cy="5176693"/>
+          </a:xfrm>
+          <a:prstGeom prst="rect">
+            <a:avLst/>
+          </a:prstGeom>
+          <a:ln>
+            <a:solidFill>
+              <a:schemeClr val="bg2">
+                <a:lumMod val="10000"/>
+              </a:schemeClr>
+            </a:solidFill>
+          </a:ln>
+        </p:spPr>
+      </p:pic>
+      <p:sp>
+        <p:nvSpPr>
+          <p:cNvPr id="7" name="TextBox 6"/>
+          <p:cNvSpPr txBox="1"/>
+          <p:nvPr/>
+        </p:nvSpPr>
+        <p:spPr>
+          <a:xfrm>
+            <a:off x="8742219" y="3255818"/>
+            <a:ext cx="3782291" cy="678647"/>
+          </a:xfrm>
+          <a:prstGeom prst="rect">
+            <a:avLst/>
+          </a:prstGeom>
+          <a:noFill/>
+        </p:spPr>
+        <p:txBody>
+          <a:bodyPr wrap="square" rtlCol="0">
+            <a:spAutoFit/>
+          </a:bodyPr>
+          <a:lstStyle/>
+          <a:p>
+            <a:r>
+              <a:rPr lang="en-US" dirty="0" smtClean="0"/>
+              <a:t>After delete this id no 2. then </a:t>
+            </a:r>
+            <a:r>
+              <a:rPr lang="en-US" smtClean="0"/>
+              <a:t>remove successfully </a:t>
+            </a:r>
+            <a:endParaRPr lang="en-IN" dirty="0"/>
+          </a:p>
+        </p:txBody>
+      </p:sp>
+    </p:spTree>
+    <p:extLst>
+      <p:ext uri="{BB962C8B-B14F-4D97-AF65-F5344CB8AC3E}">
+        <p14:creationId xmlns:p14="http://schemas.microsoft.com/office/powerpoint/2010/main" val="1450190779"/>
+      </p:ext>
+    </p:extLst>
+  </p:cSld>
+  <p:clrMapOvr>
+    <a:masterClrMapping/>
+  </p:clrMapOvr>
+</p:sld>
+</file>
+
 <file path=ppt/slides/slide3.xml><?xml version="1.0" encoding="utf-8"?>
 <p:sld xmlns:a="http://schemas.openxmlformats.org/drawingml/2006/main" xmlns:r="http://schemas.openxmlformats.org/officeDocument/2006/relationships" xmlns:p="http://schemas.openxmlformats.org/presentationml/2006/main">
   <p:cSld>

--- a/Spring Boot Notes.pptx
+++ b/Spring Boot Notes.pptx
@@ -29,6 +29,7 @@
     <p:sldId id="278" r:id="rId23"/>
     <p:sldId id="279" r:id="rId24"/>
     <p:sldId id="280" r:id="rId25"/>
+    <p:sldId id="281" r:id="rId26"/>
   </p:sldIdLst>
   <p:sldSz cx="13320713" cy="7559675"/>
   <p:notesSz cx="9144000" cy="6858000"/>
@@ -266,7 +267,7 @@
           <a:p>
             <a:fld id="{6C29C590-36E0-4EED-AA37-C1BBAAEADCBB}" type="datetimeFigureOut">
               <a:rPr lang="en-IN" smtClean="0"/>
-              <a:t>21-07-2024</a:t>
+              <a:t>04-08-2024</a:t>
             </a:fld>
             <a:endParaRPr lang="en-IN" dirty="0"/>
           </a:p>
@@ -436,7 +437,7 @@
           <a:p>
             <a:fld id="{6C29C590-36E0-4EED-AA37-C1BBAAEADCBB}" type="datetimeFigureOut">
               <a:rPr lang="en-IN" smtClean="0"/>
-              <a:t>21-07-2024</a:t>
+              <a:t>04-08-2024</a:t>
             </a:fld>
             <a:endParaRPr lang="en-IN" dirty="0"/>
           </a:p>
@@ -616,7 +617,7 @@
           <a:p>
             <a:fld id="{6C29C590-36E0-4EED-AA37-C1BBAAEADCBB}" type="datetimeFigureOut">
               <a:rPr lang="en-IN" smtClean="0"/>
-              <a:t>21-07-2024</a:t>
+              <a:t>04-08-2024</a:t>
             </a:fld>
             <a:endParaRPr lang="en-IN" dirty="0"/>
           </a:p>
@@ -786,7 +787,7 @@
           <a:p>
             <a:fld id="{6C29C590-36E0-4EED-AA37-C1BBAAEADCBB}" type="datetimeFigureOut">
               <a:rPr lang="en-IN" smtClean="0"/>
-              <a:t>21-07-2024</a:t>
+              <a:t>04-08-2024</a:t>
             </a:fld>
             <a:endParaRPr lang="en-IN" dirty="0"/>
           </a:p>
@@ -1032,7 +1033,7 @@
           <a:p>
             <a:fld id="{6C29C590-36E0-4EED-AA37-C1BBAAEADCBB}" type="datetimeFigureOut">
               <a:rPr lang="en-IN" smtClean="0"/>
-              <a:t>21-07-2024</a:t>
+              <a:t>04-08-2024</a:t>
             </a:fld>
             <a:endParaRPr lang="en-IN" dirty="0"/>
           </a:p>
@@ -1264,7 +1265,7 @@
           <a:p>
             <a:fld id="{6C29C590-36E0-4EED-AA37-C1BBAAEADCBB}" type="datetimeFigureOut">
               <a:rPr lang="en-IN" smtClean="0"/>
-              <a:t>21-07-2024</a:t>
+              <a:t>04-08-2024</a:t>
             </a:fld>
             <a:endParaRPr lang="en-IN" dirty="0"/>
           </a:p>
@@ -1631,7 +1632,7 @@
           <a:p>
             <a:fld id="{6C29C590-36E0-4EED-AA37-C1BBAAEADCBB}" type="datetimeFigureOut">
               <a:rPr lang="en-IN" smtClean="0"/>
-              <a:t>21-07-2024</a:t>
+              <a:t>04-08-2024</a:t>
             </a:fld>
             <a:endParaRPr lang="en-IN" dirty="0"/>
           </a:p>
@@ -1749,7 +1750,7 @@
           <a:p>
             <a:fld id="{6C29C590-36E0-4EED-AA37-C1BBAAEADCBB}" type="datetimeFigureOut">
               <a:rPr lang="en-IN" smtClean="0"/>
-              <a:t>21-07-2024</a:t>
+              <a:t>04-08-2024</a:t>
             </a:fld>
             <a:endParaRPr lang="en-IN" dirty="0"/>
           </a:p>
@@ -1844,7 +1845,7 @@
           <a:p>
             <a:fld id="{6C29C590-36E0-4EED-AA37-C1BBAAEADCBB}" type="datetimeFigureOut">
               <a:rPr lang="en-IN" smtClean="0"/>
-              <a:t>21-07-2024</a:t>
+              <a:t>04-08-2024</a:t>
             </a:fld>
             <a:endParaRPr lang="en-IN" dirty="0"/>
           </a:p>
@@ -2121,7 +2122,7 @@
           <a:p>
             <a:fld id="{6C29C590-36E0-4EED-AA37-C1BBAAEADCBB}" type="datetimeFigureOut">
               <a:rPr lang="en-IN" smtClean="0"/>
-              <a:t>21-07-2024</a:t>
+              <a:t>04-08-2024</a:t>
             </a:fld>
             <a:endParaRPr lang="en-IN" dirty="0"/>
           </a:p>
@@ -2378,7 +2379,7 @@
           <a:p>
             <a:fld id="{6C29C590-36E0-4EED-AA37-C1BBAAEADCBB}" type="datetimeFigureOut">
               <a:rPr lang="en-IN" smtClean="0"/>
-              <a:t>21-07-2024</a:t>
+              <a:t>04-08-2024</a:t>
             </a:fld>
             <a:endParaRPr lang="en-IN" dirty="0"/>
           </a:p>
@@ -2591,7 +2592,7 @@
           <a:p>
             <a:fld id="{6C29C590-36E0-4EED-AA37-C1BBAAEADCBB}" type="datetimeFigureOut">
               <a:rPr lang="en-IN" smtClean="0"/>
-              <a:t>21-07-2024</a:t>
+              <a:t>04-08-2024</a:t>
             </a:fld>
             <a:endParaRPr lang="en-IN" dirty="0"/>
           </a:p>
@@ -4622,6 +4623,84 @@
 </p:sld>
 </file>
 
+<file path=ppt/slides/slide25.xml><?xml version="1.0" encoding="utf-8"?>
+<p:sld xmlns:a="http://schemas.openxmlformats.org/drawingml/2006/main" xmlns:r="http://schemas.openxmlformats.org/officeDocument/2006/relationships" xmlns:p="http://schemas.openxmlformats.org/presentationml/2006/main">
+  <p:cSld>
+    <p:spTree>
+      <p:nvGrpSpPr>
+        <p:cNvPr id="1" name=""/>
+        <p:cNvGrpSpPr/>
+        <p:nvPr/>
+      </p:nvGrpSpPr>
+      <p:grpSpPr>
+        <a:xfrm>
+          <a:off x="0" y="0"/>
+          <a:ext cx="0" cy="0"/>
+          <a:chOff x="0" y="0"/>
+          <a:chExt cx="0" cy="0"/>
+        </a:xfrm>
+      </p:grpSpPr>
+      <p:pic>
+        <p:nvPicPr>
+          <p:cNvPr id="2" name="Picture 1"/>
+          <p:cNvPicPr>
+            <a:picLocks noChangeAspect="1"/>
+          </p:cNvPicPr>
+          <p:nvPr/>
+        </p:nvPicPr>
+        <p:blipFill>
+          <a:blip r:embed="rId2"/>
+          <a:stretch>
+            <a:fillRect/>
+          </a:stretch>
+        </p:blipFill>
+        <p:spPr>
+          <a:xfrm>
+            <a:off x="154781" y="122237"/>
+            <a:ext cx="13011150" cy="7315200"/>
+          </a:xfrm>
+          <a:prstGeom prst="rect">
+            <a:avLst/>
+          </a:prstGeom>
+        </p:spPr>
+      </p:pic>
+      <p:pic>
+        <p:nvPicPr>
+          <p:cNvPr id="3" name="Picture 2"/>
+          <p:cNvPicPr>
+            <a:picLocks noChangeAspect="1"/>
+          </p:cNvPicPr>
+          <p:nvPr/>
+        </p:nvPicPr>
+        <p:blipFill>
+          <a:blip r:embed="rId3"/>
+          <a:stretch>
+            <a:fillRect/>
+          </a:stretch>
+        </p:blipFill>
+        <p:spPr>
+          <a:xfrm>
+            <a:off x="6456217" y="122237"/>
+            <a:ext cx="2553349" cy="1435558"/>
+          </a:xfrm>
+          <a:prstGeom prst="rect">
+            <a:avLst/>
+          </a:prstGeom>
+        </p:spPr>
+      </p:pic>
+    </p:spTree>
+    <p:extLst>
+      <p:ext uri="{BB962C8B-B14F-4D97-AF65-F5344CB8AC3E}">
+        <p14:creationId xmlns:p14="http://schemas.microsoft.com/office/powerpoint/2010/main" val="215744564"/>
+      </p:ext>
+    </p:extLst>
+  </p:cSld>
+  <p:clrMapOvr>
+    <a:masterClrMapping/>
+  </p:clrMapOvr>
+</p:sld>
+</file>
+
 <file path=ppt/slides/slide3.xml><?xml version="1.0" encoding="utf-8"?>
 <p:sld xmlns:a="http://schemas.openxmlformats.org/drawingml/2006/main" xmlns:r="http://schemas.openxmlformats.org/officeDocument/2006/relationships" xmlns:p="http://schemas.openxmlformats.org/presentationml/2006/main">
   <p:cSld>
